--- a/cv/DeepFakes.pptx
+++ b/cv/DeepFakes.pptx
@@ -5,11 +5,16 @@
     <p:sldMasterId id="2147483648" r:id="rId1"/>
   </p:sldMasterIdLst>
   <p:notesMasterIdLst>
-    <p:notesMasterId r:id="rId4"/>
+    <p:notesMasterId r:id="rId9"/>
   </p:notesMasterIdLst>
   <p:sldIdLst>
     <p:sldId id="256" r:id="rId2"/>
     <p:sldId id="257" r:id="rId3"/>
+    <p:sldId id="258" r:id="rId4"/>
+    <p:sldId id="260" r:id="rId5"/>
+    <p:sldId id="261" r:id="rId6"/>
+    <p:sldId id="262" r:id="rId7"/>
+    <p:sldId id="259" r:id="rId8"/>
   </p:sldIdLst>
   <p:sldSz cx="12192000" cy="6858000"/>
   <p:notesSz cx="6858000" cy="9144000"/>
@@ -108,6 +113,11 @@
       </a:defRPr>
     </a:lvl9pPr>
   </p:defaultTextStyle>
+  <p:extLst>
+    <p:ext uri="{EFAFB233-063F-42B5-8137-9DF3F51BA10A}">
+      <p15:sldGuideLst xmlns:p15="http://schemas.microsoft.com/office/powerpoint/2012/main"/>
+    </p:ext>
+  </p:extLst>
 </p:presentation>
 </file>
 
@@ -536,6 +546,551 @@
     <p:extLst>
       <p:ext uri="{BB962C8B-B14F-4D97-AF65-F5344CB8AC3E}">
         <p14:creationId xmlns:p14="http://schemas.microsoft.com/office/powerpoint/2010/main" val="3800663834"/>
+      </p:ext>
+    </p:extLst>
+  </p:cSld>
+  <p:clrMapOvr>
+    <a:masterClrMapping/>
+  </p:clrMapOvr>
+</p:notes>
+</file>
+
+<file path=ppt/notesSlides/notesSlide2.xml><?xml version="1.0" encoding="utf-8"?>
+<p:notes xmlns:a="http://schemas.openxmlformats.org/drawingml/2006/main" xmlns:r="http://schemas.openxmlformats.org/officeDocument/2006/relationships" xmlns:p="http://schemas.openxmlformats.org/presentationml/2006/main">
+  <p:cSld>
+    <p:spTree>
+      <p:nvGrpSpPr>
+        <p:cNvPr id="1" name=""/>
+        <p:cNvGrpSpPr/>
+        <p:nvPr/>
+      </p:nvGrpSpPr>
+      <p:grpSpPr>
+        <a:xfrm>
+          <a:off x="0" y="0"/>
+          <a:ext cx="0" cy="0"/>
+          <a:chOff x="0" y="0"/>
+          <a:chExt cx="0" cy="0"/>
+        </a:xfrm>
+      </p:grpSpPr>
+      <p:sp>
+        <p:nvSpPr>
+          <p:cNvPr id="2" name="Slide Image Placeholder 1"/>
+          <p:cNvSpPr>
+            <a:spLocks noGrp="1" noRot="1" noChangeAspect="1"/>
+          </p:cNvSpPr>
+          <p:nvPr>
+            <p:ph type="sldImg"/>
+          </p:nvPr>
+        </p:nvSpPr>
+        <p:spPr/>
+      </p:sp>
+      <p:sp>
+        <p:nvSpPr>
+          <p:cNvPr id="3" name="Notes Placeholder 2"/>
+          <p:cNvSpPr>
+            <a:spLocks noGrp="1"/>
+          </p:cNvSpPr>
+          <p:nvPr>
+            <p:ph type="body" idx="1"/>
+          </p:nvPr>
+        </p:nvSpPr>
+        <p:spPr/>
+        <p:txBody>
+          <a:bodyPr/>
+          <a:lstStyle/>
+          <a:p>
+            <a:endParaRPr lang="en-US"/>
+          </a:p>
+        </p:txBody>
+      </p:sp>
+      <p:sp>
+        <p:nvSpPr>
+          <p:cNvPr id="4" name="Slide Number Placeholder 3"/>
+          <p:cNvSpPr>
+            <a:spLocks noGrp="1"/>
+          </p:cNvSpPr>
+          <p:nvPr>
+            <p:ph type="sldNum" sz="quarter" idx="10"/>
+          </p:nvPr>
+        </p:nvSpPr>
+        <p:spPr/>
+        <p:txBody>
+          <a:bodyPr/>
+          <a:lstStyle/>
+          <a:p>
+            <a:fld id="{3B745F88-A9A1-4D42-9B27-A1EC330A49A2}" type="slidenum">
+              <a:rPr lang="en-US" smtClean="0"/>
+              <a:t>2</a:t>
+            </a:fld>
+            <a:endParaRPr lang="en-US"/>
+          </a:p>
+        </p:txBody>
+      </p:sp>
+    </p:spTree>
+    <p:extLst>
+      <p:ext uri="{BB962C8B-B14F-4D97-AF65-F5344CB8AC3E}">
+        <p14:creationId xmlns:p14="http://schemas.microsoft.com/office/powerpoint/2010/main" val="2049846158"/>
+      </p:ext>
+    </p:extLst>
+  </p:cSld>
+  <p:clrMapOvr>
+    <a:masterClrMapping/>
+  </p:clrMapOvr>
+</p:notes>
+</file>
+
+<file path=ppt/notesSlides/notesSlide3.xml><?xml version="1.0" encoding="utf-8"?>
+<p:notes xmlns:a="http://schemas.openxmlformats.org/drawingml/2006/main" xmlns:r="http://schemas.openxmlformats.org/officeDocument/2006/relationships" xmlns:p="http://schemas.openxmlformats.org/presentationml/2006/main">
+  <p:cSld>
+    <p:spTree>
+      <p:nvGrpSpPr>
+        <p:cNvPr id="1" name=""/>
+        <p:cNvGrpSpPr/>
+        <p:nvPr/>
+      </p:nvGrpSpPr>
+      <p:grpSpPr>
+        <a:xfrm>
+          <a:off x="0" y="0"/>
+          <a:ext cx="0" cy="0"/>
+          <a:chOff x="0" y="0"/>
+          <a:chExt cx="0" cy="0"/>
+        </a:xfrm>
+      </p:grpSpPr>
+      <p:sp>
+        <p:nvSpPr>
+          <p:cNvPr id="2" name="Slide Image Placeholder 1"/>
+          <p:cNvSpPr>
+            <a:spLocks noGrp="1" noRot="1" noChangeAspect="1"/>
+          </p:cNvSpPr>
+          <p:nvPr>
+            <p:ph type="sldImg"/>
+          </p:nvPr>
+        </p:nvSpPr>
+        <p:spPr/>
+      </p:sp>
+      <p:sp>
+        <p:nvSpPr>
+          <p:cNvPr id="3" name="Notes Placeholder 2"/>
+          <p:cNvSpPr>
+            <a:spLocks noGrp="1"/>
+          </p:cNvSpPr>
+          <p:nvPr>
+            <p:ph type="body" idx="1"/>
+          </p:nvPr>
+        </p:nvSpPr>
+        <p:spPr/>
+        <p:txBody>
+          <a:bodyPr/>
+          <a:lstStyle/>
+          <a:p>
+            <a:endParaRPr lang="en-US"/>
+          </a:p>
+        </p:txBody>
+      </p:sp>
+      <p:sp>
+        <p:nvSpPr>
+          <p:cNvPr id="4" name="Slide Number Placeholder 3"/>
+          <p:cNvSpPr>
+            <a:spLocks noGrp="1"/>
+          </p:cNvSpPr>
+          <p:nvPr>
+            <p:ph type="sldNum" sz="quarter" idx="10"/>
+          </p:nvPr>
+        </p:nvSpPr>
+        <p:spPr/>
+        <p:txBody>
+          <a:bodyPr/>
+          <a:lstStyle/>
+          <a:p>
+            <a:fld id="{3B745F88-A9A1-4D42-9B27-A1EC330A49A2}" type="slidenum">
+              <a:rPr lang="en-US" smtClean="0"/>
+              <a:t>3</a:t>
+            </a:fld>
+            <a:endParaRPr lang="en-US"/>
+          </a:p>
+        </p:txBody>
+      </p:sp>
+    </p:spTree>
+    <p:extLst>
+      <p:ext uri="{BB962C8B-B14F-4D97-AF65-F5344CB8AC3E}">
+        <p14:creationId xmlns:p14="http://schemas.microsoft.com/office/powerpoint/2010/main" val="1603110312"/>
+      </p:ext>
+    </p:extLst>
+  </p:cSld>
+  <p:clrMapOvr>
+    <a:masterClrMapping/>
+  </p:clrMapOvr>
+</p:notes>
+</file>
+
+<file path=ppt/notesSlides/notesSlide4.xml><?xml version="1.0" encoding="utf-8"?>
+<p:notes xmlns:a="http://schemas.openxmlformats.org/drawingml/2006/main" xmlns:r="http://schemas.openxmlformats.org/officeDocument/2006/relationships" xmlns:p="http://schemas.openxmlformats.org/presentationml/2006/main">
+  <p:cSld>
+    <p:spTree>
+      <p:nvGrpSpPr>
+        <p:cNvPr id="1" name=""/>
+        <p:cNvGrpSpPr/>
+        <p:nvPr/>
+      </p:nvGrpSpPr>
+      <p:grpSpPr>
+        <a:xfrm>
+          <a:off x="0" y="0"/>
+          <a:ext cx="0" cy="0"/>
+          <a:chOff x="0" y="0"/>
+          <a:chExt cx="0" cy="0"/>
+        </a:xfrm>
+      </p:grpSpPr>
+      <p:sp>
+        <p:nvSpPr>
+          <p:cNvPr id="2" name="Slide Image Placeholder 1"/>
+          <p:cNvSpPr>
+            <a:spLocks noGrp="1" noRot="1" noChangeAspect="1"/>
+          </p:cNvSpPr>
+          <p:nvPr>
+            <p:ph type="sldImg"/>
+          </p:nvPr>
+        </p:nvSpPr>
+        <p:spPr/>
+      </p:sp>
+      <p:sp>
+        <p:nvSpPr>
+          <p:cNvPr id="3" name="Notes Placeholder 2"/>
+          <p:cNvSpPr>
+            <a:spLocks noGrp="1"/>
+          </p:cNvSpPr>
+          <p:nvPr>
+            <p:ph type="body" idx="1"/>
+          </p:nvPr>
+        </p:nvSpPr>
+        <p:spPr/>
+        <p:txBody>
+          <a:bodyPr/>
+          <a:lstStyle/>
+          <a:p>
+            <a:endParaRPr lang="en-US"/>
+          </a:p>
+        </p:txBody>
+      </p:sp>
+      <p:sp>
+        <p:nvSpPr>
+          <p:cNvPr id="4" name="Slide Number Placeholder 3"/>
+          <p:cNvSpPr>
+            <a:spLocks noGrp="1"/>
+          </p:cNvSpPr>
+          <p:nvPr>
+            <p:ph type="sldNum" sz="quarter" idx="10"/>
+          </p:nvPr>
+        </p:nvSpPr>
+        <p:spPr/>
+        <p:txBody>
+          <a:bodyPr/>
+          <a:lstStyle/>
+          <a:p>
+            <a:fld id="{3B745F88-A9A1-4D42-9B27-A1EC330A49A2}" type="slidenum">
+              <a:rPr lang="en-US" smtClean="0"/>
+              <a:t>4</a:t>
+            </a:fld>
+            <a:endParaRPr lang="en-US"/>
+          </a:p>
+        </p:txBody>
+      </p:sp>
+    </p:spTree>
+    <p:extLst>
+      <p:ext uri="{BB962C8B-B14F-4D97-AF65-F5344CB8AC3E}">
+        <p14:creationId xmlns:p14="http://schemas.microsoft.com/office/powerpoint/2010/main" val="3319544124"/>
+      </p:ext>
+    </p:extLst>
+  </p:cSld>
+  <p:clrMapOvr>
+    <a:masterClrMapping/>
+  </p:clrMapOvr>
+</p:notes>
+</file>
+
+<file path=ppt/notesSlides/notesSlide5.xml><?xml version="1.0" encoding="utf-8"?>
+<p:notes xmlns:a="http://schemas.openxmlformats.org/drawingml/2006/main" xmlns:r="http://schemas.openxmlformats.org/officeDocument/2006/relationships" xmlns:p="http://schemas.openxmlformats.org/presentationml/2006/main">
+  <p:cSld>
+    <p:spTree>
+      <p:nvGrpSpPr>
+        <p:cNvPr id="1" name=""/>
+        <p:cNvGrpSpPr/>
+        <p:nvPr/>
+      </p:nvGrpSpPr>
+      <p:grpSpPr>
+        <a:xfrm>
+          <a:off x="0" y="0"/>
+          <a:ext cx="0" cy="0"/>
+          <a:chOff x="0" y="0"/>
+          <a:chExt cx="0" cy="0"/>
+        </a:xfrm>
+      </p:grpSpPr>
+      <p:sp>
+        <p:nvSpPr>
+          <p:cNvPr id="2" name="Slide Image Placeholder 1"/>
+          <p:cNvSpPr>
+            <a:spLocks noGrp="1" noRot="1" noChangeAspect="1"/>
+          </p:cNvSpPr>
+          <p:nvPr>
+            <p:ph type="sldImg"/>
+          </p:nvPr>
+        </p:nvSpPr>
+        <p:spPr/>
+      </p:sp>
+      <p:sp>
+        <p:nvSpPr>
+          <p:cNvPr id="3" name="Notes Placeholder 2"/>
+          <p:cNvSpPr>
+            <a:spLocks noGrp="1"/>
+          </p:cNvSpPr>
+          <p:nvPr>
+            <p:ph type="body" idx="1"/>
+          </p:nvPr>
+        </p:nvSpPr>
+        <p:spPr/>
+        <p:txBody>
+          <a:bodyPr/>
+          <a:lstStyle/>
+          <a:p>
+            <a:pPr rtl="0"/>
+            <a:r>
+              <a:rPr lang="zh-CN" altLang="en-US" sz="1200" b="0" i="0" kern="1200" dirty="0" smtClean="0">
+                <a:solidFill>
+                  <a:schemeClr val="tx1"/>
+                </a:solidFill>
+                <a:effectLst/>
+                <a:latin typeface="+mn-lt"/>
+                <a:ea typeface="+mn-ea"/>
+                <a:cs typeface="+mn-cs"/>
+              </a:rPr>
+              <a:t>我们基于目标图片训练模型，</a:t>
+            </a:r>
+            <a:r>
+              <a:rPr lang="zh-CN" altLang="en-US" dirty="0" smtClean="0"/>
+              <a:t>网络学习如何将短向量映射成目标人物的脸。 这意味着即使我们的输入是盖尔加朵，模型也会把它转换成杨幂。</a:t>
+            </a:r>
+            <a:endParaRPr lang="en-US" dirty="0"/>
+          </a:p>
+        </p:txBody>
+      </p:sp>
+      <p:sp>
+        <p:nvSpPr>
+          <p:cNvPr id="4" name="Slide Number Placeholder 3"/>
+          <p:cNvSpPr>
+            <a:spLocks noGrp="1"/>
+          </p:cNvSpPr>
+          <p:nvPr>
+            <p:ph type="sldNum" sz="quarter" idx="10"/>
+          </p:nvPr>
+        </p:nvSpPr>
+        <p:spPr/>
+        <p:txBody>
+          <a:bodyPr/>
+          <a:lstStyle/>
+          <a:p>
+            <a:fld id="{3B745F88-A9A1-4D42-9B27-A1EC330A49A2}" type="slidenum">
+              <a:rPr lang="en-US" smtClean="0"/>
+              <a:t>5</a:t>
+            </a:fld>
+            <a:endParaRPr lang="en-US"/>
+          </a:p>
+        </p:txBody>
+      </p:sp>
+    </p:spTree>
+    <p:extLst>
+      <p:ext uri="{BB962C8B-B14F-4D97-AF65-F5344CB8AC3E}">
+        <p14:creationId xmlns:p14="http://schemas.microsoft.com/office/powerpoint/2010/main" val="3434097693"/>
+      </p:ext>
+    </p:extLst>
+  </p:cSld>
+  <p:clrMapOvr>
+    <a:masterClrMapping/>
+  </p:clrMapOvr>
+</p:notes>
+</file>
+
+<file path=ppt/notesSlides/notesSlide6.xml><?xml version="1.0" encoding="utf-8"?>
+<p:notes xmlns:a="http://schemas.openxmlformats.org/drawingml/2006/main" xmlns:r="http://schemas.openxmlformats.org/officeDocument/2006/relationships" xmlns:p="http://schemas.openxmlformats.org/presentationml/2006/main">
+  <p:cSld>
+    <p:spTree>
+      <p:nvGrpSpPr>
+        <p:cNvPr id="1" name=""/>
+        <p:cNvGrpSpPr/>
+        <p:nvPr/>
+      </p:nvGrpSpPr>
+      <p:grpSpPr>
+        <a:xfrm>
+          <a:off x="0" y="0"/>
+          <a:ext cx="0" cy="0"/>
+          <a:chOff x="0" y="0"/>
+          <a:chExt cx="0" cy="0"/>
+        </a:xfrm>
+      </p:grpSpPr>
+      <p:sp>
+        <p:nvSpPr>
+          <p:cNvPr id="2" name="Slide Image Placeholder 1"/>
+          <p:cNvSpPr>
+            <a:spLocks noGrp="1" noRot="1" noChangeAspect="1"/>
+          </p:cNvSpPr>
+          <p:nvPr>
+            <p:ph type="sldImg"/>
+          </p:nvPr>
+        </p:nvSpPr>
+        <p:spPr/>
+      </p:sp>
+      <p:sp>
+        <p:nvSpPr>
+          <p:cNvPr id="3" name="Notes Placeholder 2"/>
+          <p:cNvSpPr>
+            <a:spLocks noGrp="1"/>
+          </p:cNvSpPr>
+          <p:nvPr>
+            <p:ph type="body" idx="1"/>
+          </p:nvPr>
+        </p:nvSpPr>
+        <p:spPr/>
+        <p:txBody>
+          <a:bodyPr/>
+          <a:lstStyle/>
+          <a:p>
+            <a:pPr marL="0" marR="0" lvl="0" indent="0" algn="l" defTabSz="914400" rtl="0" eaLnBrk="1" fontAlgn="auto" latinLnBrk="0" hangingPunct="1">
+              <a:lnSpc>
+                <a:spcPct val="100000"/>
+              </a:lnSpc>
+              <a:spcBef>
+                <a:spcPts val="0"/>
+              </a:spcBef>
+              <a:spcAft>
+                <a:spcPts val="0"/>
+              </a:spcAft>
+              <a:buClrTx/>
+              <a:buSzTx/>
+              <a:buFontTx/>
+              <a:buNone/>
+              <a:tabLst/>
+              <a:defRPr/>
+            </a:pPr>
+            <a:r>
+              <a:rPr lang="zh-CN" altLang="en-US" dirty="0" smtClean="0"/>
+              <a:t>当然，还有一些花里胡哨的东西，但基本的算法就是这样的。</a:t>
+            </a:r>
+            <a:endParaRPr lang="en-US" dirty="0" smtClean="0"/>
+          </a:p>
+          <a:p>
+            <a:endParaRPr lang="en-US" dirty="0"/>
+          </a:p>
+        </p:txBody>
+      </p:sp>
+      <p:sp>
+        <p:nvSpPr>
+          <p:cNvPr id="4" name="Slide Number Placeholder 3"/>
+          <p:cNvSpPr>
+            <a:spLocks noGrp="1"/>
+          </p:cNvSpPr>
+          <p:nvPr>
+            <p:ph type="sldNum" sz="quarter" idx="10"/>
+          </p:nvPr>
+        </p:nvSpPr>
+        <p:spPr/>
+        <p:txBody>
+          <a:bodyPr/>
+          <a:lstStyle/>
+          <a:p>
+            <a:fld id="{3B745F88-A9A1-4D42-9B27-A1EC330A49A2}" type="slidenum">
+              <a:rPr lang="en-US" smtClean="0"/>
+              <a:t>6</a:t>
+            </a:fld>
+            <a:endParaRPr lang="en-US"/>
+          </a:p>
+        </p:txBody>
+      </p:sp>
+    </p:spTree>
+    <p:extLst>
+      <p:ext uri="{BB962C8B-B14F-4D97-AF65-F5344CB8AC3E}">
+        <p14:creationId xmlns:p14="http://schemas.microsoft.com/office/powerpoint/2010/main" val="1831237144"/>
+      </p:ext>
+    </p:extLst>
+  </p:cSld>
+  <p:clrMapOvr>
+    <a:masterClrMapping/>
+  </p:clrMapOvr>
+</p:notes>
+</file>
+
+<file path=ppt/notesSlides/notesSlide7.xml><?xml version="1.0" encoding="utf-8"?>
+<p:notes xmlns:a="http://schemas.openxmlformats.org/drawingml/2006/main" xmlns:r="http://schemas.openxmlformats.org/officeDocument/2006/relationships" xmlns:p="http://schemas.openxmlformats.org/presentationml/2006/main">
+  <p:cSld>
+    <p:spTree>
+      <p:nvGrpSpPr>
+        <p:cNvPr id="1" name=""/>
+        <p:cNvGrpSpPr/>
+        <p:nvPr/>
+      </p:nvGrpSpPr>
+      <p:grpSpPr>
+        <a:xfrm>
+          <a:off x="0" y="0"/>
+          <a:ext cx="0" cy="0"/>
+          <a:chOff x="0" y="0"/>
+          <a:chExt cx="0" cy="0"/>
+        </a:xfrm>
+      </p:grpSpPr>
+      <p:sp>
+        <p:nvSpPr>
+          <p:cNvPr id="2" name="Slide Image Placeholder 1"/>
+          <p:cNvSpPr>
+            <a:spLocks noGrp="1" noRot="1" noChangeAspect="1"/>
+          </p:cNvSpPr>
+          <p:nvPr>
+            <p:ph type="sldImg"/>
+          </p:nvPr>
+        </p:nvSpPr>
+        <p:spPr/>
+      </p:sp>
+      <p:sp>
+        <p:nvSpPr>
+          <p:cNvPr id="3" name="Notes Placeholder 2"/>
+          <p:cNvSpPr>
+            <a:spLocks noGrp="1"/>
+          </p:cNvSpPr>
+          <p:nvPr>
+            <p:ph type="body" idx="1"/>
+          </p:nvPr>
+        </p:nvSpPr>
+        <p:spPr/>
+        <p:txBody>
+          <a:bodyPr/>
+          <a:lstStyle/>
+          <a:p>
+            <a:endParaRPr lang="en-US"/>
+          </a:p>
+        </p:txBody>
+      </p:sp>
+      <p:sp>
+        <p:nvSpPr>
+          <p:cNvPr id="4" name="Slide Number Placeholder 3"/>
+          <p:cNvSpPr>
+            <a:spLocks noGrp="1"/>
+          </p:cNvSpPr>
+          <p:nvPr>
+            <p:ph type="sldNum" sz="quarter" idx="10"/>
+          </p:nvPr>
+        </p:nvSpPr>
+        <p:spPr/>
+        <p:txBody>
+          <a:bodyPr/>
+          <a:lstStyle/>
+          <a:p>
+            <a:fld id="{3B745F88-A9A1-4D42-9B27-A1EC330A49A2}" type="slidenum">
+              <a:rPr lang="en-US" smtClean="0"/>
+              <a:t>7</a:t>
+            </a:fld>
+            <a:endParaRPr lang="en-US"/>
+          </a:p>
+        </p:txBody>
+      </p:sp>
+    </p:spTree>
+    <p:extLst>
+      <p:ext uri="{BB962C8B-B14F-4D97-AF65-F5344CB8AC3E}">
+        <p14:creationId xmlns:p14="http://schemas.microsoft.com/office/powerpoint/2010/main" val="3003607905"/>
       </p:ext>
     </p:extLst>
   </p:cSld>
@@ -3440,7 +3995,150 @@
           <a:bodyPr/>
           <a:lstStyle/>
           <a:p>
-            <a:endParaRPr lang="en-US"/>
+            <a:r>
+              <a:rPr lang="en-US" altLang="zh-CN" dirty="0" smtClean="0"/>
+              <a:t>Use it for good.</a:t>
+            </a:r>
+            <a:endParaRPr lang="en-US" dirty="0"/>
+          </a:p>
+        </p:txBody>
+      </p:sp>
+      <p:sp>
+        <p:nvSpPr>
+          <p:cNvPr id="4" name="TextBox 3">
+            <a:extLst>
+              <a:ext uri="{FF2B5EF4-FFF2-40B4-BE49-F238E27FC236}">
+                <a16:creationId xmlns:a16="http://schemas.microsoft.com/office/drawing/2014/main" id="{EC99D17C-9CAF-4CA3-AC60-BFC1E76BF537}"/>
+              </a:ext>
+            </a:extLst>
+          </p:cNvPr>
+          <p:cNvSpPr txBox="1"/>
+          <p:nvPr/>
+        </p:nvSpPr>
+        <p:spPr>
+          <a:xfrm>
+            <a:off x="10318270" y="6244120"/>
+            <a:ext cx="1914370" cy="923330"/>
+          </a:xfrm>
+          <a:prstGeom prst="rect">
+            <a:avLst/>
+          </a:prstGeom>
+          <a:noFill/>
+        </p:spPr>
+        <p:txBody>
+          <a:bodyPr wrap="none" rtlCol="0">
+            <a:spAutoFit/>
+          </a:bodyPr>
+          <a:lstStyle/>
+          <a:p>
+            <a:pPr algn="r"/>
+            <a:r>
+              <a:rPr lang="en-US" altLang="zh-CN" dirty="0" err="1">
+                <a:solidFill>
+                  <a:schemeClr val="tx1">
+                    <a:lumMod val="65000"/>
+                    <a:lumOff val="35000"/>
+                  </a:schemeClr>
+                </a:solidFill>
+              </a:rPr>
+              <a:t>BingAds</a:t>
+            </a:r>
+            <a:r>
+              <a:rPr lang="en-US" altLang="zh-CN" dirty="0">
+                <a:solidFill>
+                  <a:schemeClr val="tx1">
+                    <a:lumMod val="65000"/>
+                    <a:lumOff val="35000"/>
+                  </a:schemeClr>
+                </a:solidFill>
+              </a:rPr>
+              <a:t> </a:t>
+            </a:r>
+            <a:r>
+              <a:rPr lang="zh-CN" altLang="en-US" dirty="0" smtClean="0">
+                <a:solidFill>
+                  <a:schemeClr val="tx1">
+                    <a:lumMod val="65000"/>
+                    <a:lumOff val="35000"/>
+                  </a:schemeClr>
+                </a:solidFill>
+              </a:rPr>
+              <a:t>组内分</a:t>
+            </a:r>
+            <a:r>
+              <a:rPr lang="zh-CN" altLang="en-US" dirty="0">
+                <a:solidFill>
+                  <a:schemeClr val="tx1">
+                    <a:lumMod val="65000"/>
+                    <a:lumOff val="35000"/>
+                  </a:schemeClr>
+                </a:solidFill>
+              </a:rPr>
+              <a:t>享</a:t>
+            </a:r>
+            <a:endParaRPr lang="en-US" altLang="zh-CN" dirty="0">
+              <a:solidFill>
+                <a:schemeClr val="tx1">
+                  <a:lumMod val="65000"/>
+                  <a:lumOff val="35000"/>
+                </a:schemeClr>
+              </a:solidFill>
+            </a:endParaRPr>
+          </a:p>
+          <a:p>
+            <a:pPr algn="r"/>
+            <a:r>
+              <a:rPr lang="zh-CN" altLang="en-US" dirty="0">
+                <a:solidFill>
+                  <a:schemeClr val="tx1">
+                    <a:lumMod val="65000"/>
+                    <a:lumOff val="35000"/>
+                  </a:schemeClr>
+                </a:solidFill>
+              </a:rPr>
+              <a:t>刘杨</a:t>
+            </a:r>
+            <a:r>
+              <a:rPr lang="en-US" altLang="zh-CN" dirty="0">
+                <a:solidFill>
+                  <a:schemeClr val="tx1">
+                    <a:lumMod val="65000"/>
+                    <a:lumOff val="35000"/>
+                  </a:schemeClr>
+                </a:solidFill>
+              </a:rPr>
+              <a:t> </a:t>
+            </a:r>
+            <a:r>
+              <a:rPr lang="en-US" dirty="0" smtClean="0">
+                <a:solidFill>
+                  <a:schemeClr val="tx1">
+                    <a:lumMod val="65000"/>
+                    <a:lumOff val="35000"/>
+                  </a:schemeClr>
+                </a:solidFill>
+              </a:rPr>
+              <a:t>2018/02/09</a:t>
+            </a:r>
+            <a:endParaRPr lang="en-US" dirty="0">
+              <a:solidFill>
+                <a:schemeClr val="tx1">
+                  <a:lumMod val="65000"/>
+                  <a:lumOff val="35000"/>
+                </a:schemeClr>
+              </a:solidFill>
+            </a:endParaRPr>
+          </a:p>
+          <a:p>
+            <a:pPr algn="r"/>
+            <a:endParaRPr lang="en-US" altLang="zh-CN" dirty="0">
+              <a:solidFill>
+                <a:schemeClr val="tx1">
+                  <a:lumMod val="65000"/>
+                  <a:lumOff val="35000"/>
+                </a:schemeClr>
+              </a:solidFill>
+            </a:endParaRPr>
           </a:p>
         </p:txBody>
       </p:sp>
@@ -3512,10 +4210,959 @@
           </a:p>
         </p:txBody>
       </p:sp>
+      <p:sp>
+        <p:nvSpPr>
+          <p:cNvPr id="4" name="Rectangle 3"/>
+          <p:cNvSpPr/>
+          <p:nvPr/>
+        </p:nvSpPr>
+        <p:spPr>
+          <a:xfrm>
+            <a:off x="3203605" y="5532675"/>
+            <a:ext cx="5784789" cy="830997"/>
+          </a:xfrm>
+          <a:prstGeom prst="rect">
+            <a:avLst/>
+          </a:prstGeom>
+        </p:spPr>
+        <p:txBody>
+          <a:bodyPr wrap="none">
+            <a:spAutoFit/>
+          </a:bodyPr>
+          <a:lstStyle/>
+          <a:p>
+            <a:r>
+              <a:rPr lang="en-US" sz="2400" dirty="0" smtClean="0">
+                <a:hlinkClick r:id="rId3"/>
+              </a:rPr>
+              <a:t>https://www.bilibili.com/video/av18366816/</a:t>
+            </a:r>
+            <a:endParaRPr lang="en-US" sz="2400" dirty="0" smtClean="0"/>
+          </a:p>
+          <a:p>
+            <a:endParaRPr lang="en-US" sz="2400" dirty="0" smtClean="0"/>
+          </a:p>
+        </p:txBody>
+      </p:sp>
+      <p:pic>
+        <p:nvPicPr>
+          <p:cNvPr id="5" name="Picture 4"/>
+          <p:cNvPicPr>
+            <a:picLocks noChangeAspect="1"/>
+          </p:cNvPicPr>
+          <p:nvPr/>
+        </p:nvPicPr>
+        <p:blipFill>
+          <a:blip r:embed="rId4"/>
+          <a:stretch>
+            <a:fillRect/>
+          </a:stretch>
+        </p:blipFill>
+        <p:spPr>
+          <a:xfrm>
+            <a:off x="3022170" y="1435927"/>
+            <a:ext cx="6106785" cy="3910039"/>
+          </a:xfrm>
+          <a:prstGeom prst="rect">
+            <a:avLst/>
+          </a:prstGeom>
+        </p:spPr>
+      </p:pic>
     </p:spTree>
     <p:extLst>
       <p:ext uri="{BB962C8B-B14F-4D97-AF65-F5344CB8AC3E}">
         <p14:creationId xmlns:p14="http://schemas.microsoft.com/office/powerpoint/2010/main" val="4016770893"/>
+      </p:ext>
+    </p:extLst>
+  </p:cSld>
+  <p:clrMapOvr>
+    <a:masterClrMapping/>
+  </p:clrMapOvr>
+</p:sld>
+</file>
+
+<file path=ppt/slides/slide3.xml><?xml version="1.0" encoding="utf-8"?>
+<p:sld xmlns:a="http://schemas.openxmlformats.org/drawingml/2006/main" xmlns:r="http://schemas.openxmlformats.org/officeDocument/2006/relationships" xmlns:p="http://schemas.openxmlformats.org/presentationml/2006/main">
+  <p:cSld>
+    <p:spTree>
+      <p:nvGrpSpPr>
+        <p:cNvPr id="1" name=""/>
+        <p:cNvGrpSpPr/>
+        <p:nvPr/>
+      </p:nvGrpSpPr>
+      <p:grpSpPr>
+        <a:xfrm>
+          <a:off x="0" y="0"/>
+          <a:ext cx="0" cy="0"/>
+          <a:chOff x="0" y="0"/>
+          <a:chExt cx="0" cy="0"/>
+        </a:xfrm>
+      </p:grpSpPr>
+      <p:sp>
+        <p:nvSpPr>
+          <p:cNvPr id="2" name="Title 1"/>
+          <p:cNvSpPr>
+            <a:spLocks noGrp="1"/>
+          </p:cNvSpPr>
+          <p:nvPr>
+            <p:ph type="title"/>
+          </p:nvPr>
+        </p:nvSpPr>
+        <p:spPr/>
+        <p:txBody>
+          <a:bodyPr/>
+          <a:lstStyle/>
+          <a:p>
+            <a:r>
+              <a:rPr lang="en-US" dirty="0" err="1" smtClean="0"/>
+              <a:t>Deep</a:t>
+            </a:r>
+            <a:r>
+              <a:rPr lang="en-US" altLang="zh-CN" dirty="0" err="1" smtClean="0"/>
+              <a:t>Fakes</a:t>
+            </a:r>
+            <a:r>
+              <a:rPr lang="en-US" altLang="zh-CN" dirty="0" smtClean="0"/>
+              <a:t> </a:t>
+            </a:r>
+            <a:r>
+              <a:rPr lang="zh-CN" altLang="en-US" dirty="0"/>
+              <a:t>教程</a:t>
+            </a:r>
+            <a:endParaRPr lang="en-US" dirty="0"/>
+          </a:p>
+        </p:txBody>
+      </p:sp>
+      <p:sp>
+        <p:nvSpPr>
+          <p:cNvPr id="3" name="Content Placeholder 2"/>
+          <p:cNvSpPr>
+            <a:spLocks noGrp="1"/>
+          </p:cNvSpPr>
+          <p:nvPr>
+            <p:ph idx="1"/>
+          </p:nvPr>
+        </p:nvSpPr>
+        <p:spPr/>
+        <p:txBody>
+          <a:bodyPr/>
+          <a:lstStyle/>
+          <a:p>
+            <a:pPr marL="514350" indent="-514350">
+              <a:buFont typeface="+mj-lt"/>
+              <a:buAutoNum type="arabicPeriod"/>
+            </a:pPr>
+            <a:r>
+              <a:rPr lang="zh-CN" altLang="en-US" dirty="0"/>
+              <a:t>收集</a:t>
+            </a:r>
+            <a:r>
+              <a:rPr lang="zh-CN" altLang="en-US" dirty="0" smtClean="0"/>
+              <a:t>要换的脸的照片，找个被换的视频。</a:t>
+            </a:r>
+            <a:endParaRPr lang="en-US" altLang="zh-CN" dirty="0" smtClean="0"/>
+          </a:p>
+          <a:p>
+            <a:pPr marL="514350" indent="-514350">
+              <a:buFont typeface="+mj-lt"/>
+              <a:buAutoNum type="arabicPeriod"/>
+            </a:pPr>
+            <a:r>
+              <a:rPr lang="zh-CN" altLang="en-US" dirty="0"/>
+              <a:t>对</a:t>
+            </a:r>
+            <a:r>
+              <a:rPr lang="zh-CN" altLang="en-US" dirty="0" smtClean="0"/>
+              <a:t>齐</a:t>
+            </a:r>
+            <a:endParaRPr lang="en-US" altLang="zh-CN" dirty="0" smtClean="0"/>
+          </a:p>
+          <a:p>
+            <a:pPr marL="514350" indent="-514350">
+              <a:buFont typeface="+mj-lt"/>
+              <a:buAutoNum type="arabicPeriod"/>
+            </a:pPr>
+            <a:r>
+              <a:rPr lang="zh-CN" altLang="en-US" dirty="0"/>
+              <a:t>训</a:t>
+            </a:r>
+            <a:r>
+              <a:rPr lang="zh-CN" altLang="en-US" dirty="0" smtClean="0"/>
+              <a:t>练</a:t>
+            </a:r>
+            <a:endParaRPr lang="en-US" altLang="zh-CN" dirty="0" smtClean="0"/>
+          </a:p>
+          <a:p>
+            <a:pPr marL="514350" indent="-514350">
+              <a:buFont typeface="+mj-lt"/>
+              <a:buAutoNum type="arabicPeriod"/>
+            </a:pPr>
+            <a:r>
+              <a:rPr lang="zh-CN" altLang="en-US" dirty="0"/>
+              <a:t>合成</a:t>
+            </a:r>
+            <a:endParaRPr lang="en-US" dirty="0"/>
+          </a:p>
+        </p:txBody>
+      </p:sp>
+    </p:spTree>
+    <p:extLst>
+      <p:ext uri="{BB962C8B-B14F-4D97-AF65-F5344CB8AC3E}">
+        <p14:creationId xmlns:p14="http://schemas.microsoft.com/office/powerpoint/2010/main" val="2403527605"/>
+      </p:ext>
+    </p:extLst>
+  </p:cSld>
+  <p:clrMapOvr>
+    <a:masterClrMapping/>
+  </p:clrMapOvr>
+</p:sld>
+</file>
+
+<file path=ppt/slides/slide4.xml><?xml version="1.0" encoding="utf-8"?>
+<p:sld xmlns:a="http://schemas.openxmlformats.org/drawingml/2006/main" xmlns:r="http://schemas.openxmlformats.org/officeDocument/2006/relationships" xmlns:p="http://schemas.openxmlformats.org/presentationml/2006/main">
+  <p:cSld>
+    <p:spTree>
+      <p:nvGrpSpPr>
+        <p:cNvPr id="1" name=""/>
+        <p:cNvGrpSpPr/>
+        <p:nvPr/>
+      </p:nvGrpSpPr>
+      <p:grpSpPr>
+        <a:xfrm>
+          <a:off x="0" y="0"/>
+          <a:ext cx="0" cy="0"/>
+          <a:chOff x="0" y="0"/>
+          <a:chExt cx="0" cy="0"/>
+        </a:xfrm>
+      </p:grpSpPr>
+      <p:sp>
+        <p:nvSpPr>
+          <p:cNvPr id="2" name="Title 1"/>
+          <p:cNvSpPr>
+            <a:spLocks noGrp="1"/>
+          </p:cNvSpPr>
+          <p:nvPr>
+            <p:ph type="title"/>
+          </p:nvPr>
+        </p:nvSpPr>
+        <p:spPr/>
+        <p:txBody>
+          <a:bodyPr/>
+          <a:lstStyle/>
+          <a:p>
+            <a:r>
+              <a:rPr lang="zh-CN" altLang="en-US" dirty="0"/>
+              <a:t>对</a:t>
+            </a:r>
+            <a:r>
+              <a:rPr lang="zh-CN" altLang="en-US" dirty="0" smtClean="0"/>
+              <a:t>齐</a:t>
+            </a:r>
+            <a:r>
+              <a:rPr lang="en-US" altLang="zh-CN" dirty="0" smtClean="0"/>
+              <a:t> (Align)</a:t>
+            </a:r>
+            <a:endParaRPr lang="en-US" dirty="0"/>
+          </a:p>
+        </p:txBody>
+      </p:sp>
+      <p:sp>
+        <p:nvSpPr>
+          <p:cNvPr id="3" name="Content Placeholder 2"/>
+          <p:cNvSpPr>
+            <a:spLocks noGrp="1"/>
+          </p:cNvSpPr>
+          <p:nvPr>
+            <p:ph idx="1"/>
+          </p:nvPr>
+        </p:nvSpPr>
+        <p:spPr>
+          <a:xfrm>
+            <a:off x="838200" y="1825625"/>
+            <a:ext cx="3053862" cy="4351338"/>
+          </a:xfrm>
+        </p:spPr>
+        <p:txBody>
+          <a:bodyPr>
+            <a:normAutofit lnSpcReduction="10000"/>
+          </a:bodyPr>
+          <a:lstStyle/>
+          <a:p>
+            <a:r>
+              <a:rPr lang="zh-CN" altLang="en-US" dirty="0" smtClean="0"/>
+              <a:t>要换脸，首先要知道一副图片中脸的位置、方向和大小。</a:t>
+            </a:r>
+            <a:endParaRPr lang="en-US" altLang="zh-CN" dirty="0" smtClean="0"/>
+          </a:p>
+          <a:p>
+            <a:endParaRPr lang="en-US" altLang="zh-CN" dirty="0" smtClean="0"/>
+          </a:p>
+          <a:p>
+            <a:r>
+              <a:rPr lang="zh-CN" altLang="en-US" dirty="0" smtClean="0"/>
+              <a:t>面向梯度的直方图实现人脸检测</a:t>
+            </a:r>
+            <a:endParaRPr lang="en-US" altLang="zh-CN" dirty="0" smtClean="0"/>
+          </a:p>
+          <a:p>
+            <a:pPr lvl="1"/>
+            <a:r>
+              <a:rPr lang="en-US" dirty="0" smtClean="0"/>
+              <a:t>Histogram </a:t>
+            </a:r>
+            <a:r>
+              <a:rPr lang="en-US" dirty="0"/>
+              <a:t>of Oriented Gradients (or simply HOG)</a:t>
+            </a:r>
+          </a:p>
+        </p:txBody>
+      </p:sp>
+      <p:pic>
+        <p:nvPicPr>
+          <p:cNvPr id="2050" name="Picture 2" descr="https://cdn-images-1.medium.com/max/800/1*6xgev0r-qn4oR88FrW6fiA.png"/>
+          <p:cNvPicPr>
+            <a:picLocks noChangeAspect="1" noChangeArrowheads="1"/>
+          </p:cNvPicPr>
+          <p:nvPr/>
+        </p:nvPicPr>
+        <p:blipFill>
+          <a:blip r:embed="rId3">
+            <a:extLst>
+              <a:ext uri="{28A0092B-C50C-407E-A947-70E740481C1C}">
+                <a14:useLocalDpi xmlns:a14="http://schemas.microsoft.com/office/drawing/2010/main" val="0"/>
+              </a:ext>
+            </a:extLst>
+          </a:blip>
+          <a:srcRect/>
+          <a:stretch>
+            <a:fillRect/>
+          </a:stretch>
+        </p:blipFill>
+        <p:spPr bwMode="auto">
+          <a:xfrm>
+            <a:off x="4000743" y="1348581"/>
+            <a:ext cx="7620000" cy="5305426"/>
+          </a:xfrm>
+          <a:prstGeom prst="rect">
+            <a:avLst/>
+          </a:prstGeom>
+          <a:noFill/>
+          <a:extLst>
+            <a:ext uri="{909E8E84-426E-40DD-AFC4-6F175D3DCCD1}">
+              <a14:hiddenFill xmlns:a14="http://schemas.microsoft.com/office/drawing/2010/main">
+                <a:solidFill>
+                  <a:srgbClr val="FFFFFF"/>
+                </a:solidFill>
+              </a14:hiddenFill>
+            </a:ext>
+          </a:extLst>
+        </p:spPr>
+      </p:pic>
+    </p:spTree>
+    <p:extLst>
+      <p:ext uri="{BB962C8B-B14F-4D97-AF65-F5344CB8AC3E}">
+        <p14:creationId xmlns:p14="http://schemas.microsoft.com/office/powerpoint/2010/main" val="383787710"/>
+      </p:ext>
+    </p:extLst>
+  </p:cSld>
+  <p:clrMapOvr>
+    <a:masterClrMapping/>
+  </p:clrMapOvr>
+</p:sld>
+</file>
+
+<file path=ppt/slides/slide5.xml><?xml version="1.0" encoding="utf-8"?>
+<p:sld xmlns:a="http://schemas.openxmlformats.org/drawingml/2006/main" xmlns:r="http://schemas.openxmlformats.org/officeDocument/2006/relationships" xmlns:p="http://schemas.openxmlformats.org/presentationml/2006/main">
+  <p:cSld>
+    <p:spTree>
+      <p:nvGrpSpPr>
+        <p:cNvPr id="1" name=""/>
+        <p:cNvGrpSpPr/>
+        <p:nvPr/>
+      </p:nvGrpSpPr>
+      <p:grpSpPr>
+        <a:xfrm>
+          <a:off x="0" y="0"/>
+          <a:ext cx="0" cy="0"/>
+          <a:chOff x="0" y="0"/>
+          <a:chExt cx="0" cy="0"/>
+        </a:xfrm>
+      </p:grpSpPr>
+      <p:sp>
+        <p:nvSpPr>
+          <p:cNvPr id="2" name="Title 1"/>
+          <p:cNvSpPr>
+            <a:spLocks noGrp="1"/>
+          </p:cNvSpPr>
+          <p:nvPr>
+            <p:ph type="title"/>
+          </p:nvPr>
+        </p:nvSpPr>
+        <p:spPr/>
+        <p:txBody>
+          <a:bodyPr/>
+          <a:lstStyle/>
+          <a:p>
+            <a:r>
+              <a:rPr lang="zh-CN" altLang="en-US" dirty="0"/>
+              <a:t>训</a:t>
+            </a:r>
+            <a:r>
+              <a:rPr lang="zh-CN" altLang="en-US" dirty="0" smtClean="0"/>
+              <a:t>练 </a:t>
+            </a:r>
+            <a:r>
+              <a:rPr lang="en-US" altLang="zh-CN" dirty="0" smtClean="0"/>
+              <a:t>(Train)</a:t>
+            </a:r>
+            <a:endParaRPr lang="en-US" dirty="0"/>
+          </a:p>
+        </p:txBody>
+      </p:sp>
+      <p:sp>
+        <p:nvSpPr>
+          <p:cNvPr id="3" name="Content Placeholder 2"/>
+          <p:cNvSpPr>
+            <a:spLocks noGrp="1"/>
+          </p:cNvSpPr>
+          <p:nvPr>
+            <p:ph idx="1"/>
+          </p:nvPr>
+        </p:nvSpPr>
+        <p:spPr>
+          <a:xfrm>
+            <a:off x="838200" y="1825625"/>
+            <a:ext cx="4288692" cy="4351338"/>
+          </a:xfrm>
+        </p:spPr>
+        <p:txBody>
+          <a:bodyPr>
+            <a:normAutofit lnSpcReduction="10000"/>
+          </a:bodyPr>
+          <a:lstStyle/>
+          <a:p>
+            <a:r>
+              <a:rPr lang="zh-CN" altLang="en-US" dirty="0"/>
+              <a:t>自动编码</a:t>
+            </a:r>
+            <a:r>
+              <a:rPr lang="zh-CN" altLang="en-US" dirty="0" smtClean="0"/>
+              <a:t>器</a:t>
+            </a:r>
+            <a:r>
+              <a:rPr lang="en-US" altLang="zh-CN" dirty="0" smtClean="0"/>
+              <a:t>(</a:t>
+            </a:r>
+            <a:r>
+              <a:rPr lang="en-US" altLang="zh-CN" dirty="0" err="1" smtClean="0"/>
+              <a:t>Autoencoder</a:t>
+            </a:r>
+            <a:r>
+              <a:rPr lang="en-US" altLang="zh-CN" dirty="0" smtClean="0"/>
+              <a:t>)</a:t>
+            </a:r>
+          </a:p>
+          <a:p>
+            <a:pPr lvl="1"/>
+            <a:r>
+              <a:rPr lang="zh-CN" altLang="en-US" dirty="0"/>
+              <a:t>自动编码器由两部分组成：编码器和解码器。 </a:t>
+            </a:r>
+            <a:endParaRPr lang="en-US" altLang="zh-CN" dirty="0" smtClean="0"/>
+          </a:p>
+          <a:p>
+            <a:pPr lvl="1"/>
+            <a:endParaRPr lang="en-US" altLang="zh-CN" dirty="0" smtClean="0"/>
+          </a:p>
+          <a:p>
+            <a:pPr lvl="1"/>
+            <a:r>
+              <a:rPr lang="zh-CN" altLang="en-US" dirty="0" smtClean="0"/>
+              <a:t>编</a:t>
+            </a:r>
+            <a:r>
+              <a:rPr lang="zh-CN" altLang="en-US" dirty="0"/>
+              <a:t>码器学习输入数据的短得多的表示，而解码器能够将其转换回原始数据。 </a:t>
+            </a:r>
+            <a:endParaRPr lang="en-US" altLang="zh-CN" dirty="0" smtClean="0"/>
+          </a:p>
+          <a:p>
+            <a:pPr lvl="1"/>
+            <a:endParaRPr lang="en-US" altLang="zh-CN" dirty="0" smtClean="0"/>
+          </a:p>
+          <a:p>
+            <a:pPr lvl="1"/>
+            <a:r>
+              <a:rPr lang="zh-CN" altLang="en-US" dirty="0" smtClean="0"/>
+              <a:t>因</a:t>
+            </a:r>
+            <a:r>
+              <a:rPr lang="zh-CN" altLang="en-US" dirty="0"/>
+              <a:t>此，编码器将数据压缩到更短的尺寸，并且解码器翻译恢复到原来的更长的格式。</a:t>
+            </a:r>
+            <a:endParaRPr lang="en-US" dirty="0"/>
+          </a:p>
+        </p:txBody>
+      </p:sp>
+      <p:pic>
+        <p:nvPicPr>
+          <p:cNvPr id="3074" name="Picture 2" descr="https://cdn-images-1.medium.com/max/800/0*Gtpl-oeGhQNkdmu_.jpg"/>
+          <p:cNvPicPr>
+            <a:picLocks noChangeAspect="1" noChangeArrowheads="1"/>
+          </p:cNvPicPr>
+          <p:nvPr/>
+        </p:nvPicPr>
+        <p:blipFill>
+          <a:blip r:embed="rId3">
+            <a:extLst>
+              <a:ext uri="{28A0092B-C50C-407E-A947-70E740481C1C}">
+                <a14:useLocalDpi xmlns:a14="http://schemas.microsoft.com/office/drawing/2010/main" val="0"/>
+              </a:ext>
+            </a:extLst>
+          </a:blip>
+          <a:srcRect/>
+          <a:stretch>
+            <a:fillRect/>
+          </a:stretch>
+        </p:blipFill>
+        <p:spPr bwMode="auto">
+          <a:xfrm>
+            <a:off x="5044342" y="1825625"/>
+            <a:ext cx="6667500" cy="2095501"/>
+          </a:xfrm>
+          <a:prstGeom prst="rect">
+            <a:avLst/>
+          </a:prstGeom>
+          <a:noFill/>
+          <a:extLst>
+            <a:ext uri="{909E8E84-426E-40DD-AFC4-6F175D3DCCD1}">
+              <a14:hiddenFill xmlns:a14="http://schemas.microsoft.com/office/drawing/2010/main">
+                <a:solidFill>
+                  <a:srgbClr val="FFFFFF"/>
+                </a:solidFill>
+              </a14:hiddenFill>
+            </a:ext>
+          </a:extLst>
+        </p:spPr>
+      </p:pic>
+      <p:pic>
+        <p:nvPicPr>
+          <p:cNvPr id="5" name="Picture 4"/>
+          <p:cNvPicPr>
+            <a:picLocks noChangeAspect="1"/>
+          </p:cNvPicPr>
+          <p:nvPr/>
+        </p:nvPicPr>
+        <p:blipFill>
+          <a:blip r:embed="rId4"/>
+          <a:stretch>
+            <a:fillRect/>
+          </a:stretch>
+        </p:blipFill>
+        <p:spPr>
+          <a:xfrm>
+            <a:off x="10153404" y="4059849"/>
+            <a:ext cx="1558438" cy="1583306"/>
+          </a:xfrm>
+          <a:prstGeom prst="rect">
+            <a:avLst/>
+          </a:prstGeom>
+        </p:spPr>
+      </p:pic>
+      <p:pic>
+        <p:nvPicPr>
+          <p:cNvPr id="7" name="Picture 6"/>
+          <p:cNvPicPr>
+            <a:picLocks noChangeAspect="1"/>
+          </p:cNvPicPr>
+          <p:nvPr/>
+        </p:nvPicPr>
+        <p:blipFill>
+          <a:blip r:embed="rId4"/>
+          <a:stretch>
+            <a:fillRect/>
+          </a:stretch>
+        </p:blipFill>
+        <p:spPr>
+          <a:xfrm>
+            <a:off x="5217988" y="4059849"/>
+            <a:ext cx="1558438" cy="1583306"/>
+          </a:xfrm>
+          <a:prstGeom prst="rect">
+            <a:avLst/>
+          </a:prstGeom>
+        </p:spPr>
+      </p:pic>
+      <p:sp>
+        <p:nvSpPr>
+          <p:cNvPr id="6" name="Rounded Rectangular Callout 5"/>
+          <p:cNvSpPr/>
+          <p:nvPr/>
+        </p:nvSpPr>
+        <p:spPr>
+          <a:xfrm>
+            <a:off x="8917354" y="759027"/>
+            <a:ext cx="1695938" cy="1136406"/>
+          </a:xfrm>
+          <a:prstGeom prst="wedgeRoundRectCallout">
+            <a:avLst/>
+          </a:prstGeom>
+        </p:spPr>
+        <p:style>
+          <a:lnRef idx="2">
+            <a:schemeClr val="accent4">
+              <a:shade val="50000"/>
+            </a:schemeClr>
+          </a:lnRef>
+          <a:fillRef idx="1">
+            <a:schemeClr val="accent4"/>
+          </a:fillRef>
+          <a:effectRef idx="0">
+            <a:schemeClr val="accent4"/>
+          </a:effectRef>
+          <a:fontRef idx="minor">
+            <a:schemeClr val="lt1"/>
+          </a:fontRef>
+        </p:style>
+        <p:txBody>
+          <a:bodyPr rtlCol="0" anchor="ctr"/>
+          <a:lstStyle/>
+          <a:p>
+            <a:pPr algn="ctr"/>
+            <a:r>
+              <a:rPr lang="zh-CN" altLang="en-US" dirty="0" smtClean="0">
+                <a:solidFill>
+                  <a:schemeClr val="tx1">
+                    <a:lumMod val="95000"/>
+                    <a:lumOff val="5000"/>
+                  </a:schemeClr>
+                </a:solidFill>
+              </a:rPr>
+              <a:t>解码器把短向量映射成杨幂</a:t>
+            </a:r>
+            <a:endParaRPr lang="en-US" dirty="0">
+              <a:solidFill>
+                <a:schemeClr val="tx1">
+                  <a:lumMod val="95000"/>
+                  <a:lumOff val="5000"/>
+                </a:schemeClr>
+              </a:solidFill>
+            </a:endParaRPr>
+          </a:p>
+        </p:txBody>
+      </p:sp>
+    </p:spTree>
+    <p:extLst>
+      <p:ext uri="{BB962C8B-B14F-4D97-AF65-F5344CB8AC3E}">
+        <p14:creationId xmlns:p14="http://schemas.microsoft.com/office/powerpoint/2010/main" val="3974495308"/>
+      </p:ext>
+    </p:extLst>
+  </p:cSld>
+  <p:clrMapOvr>
+    <a:masterClrMapping/>
+  </p:clrMapOvr>
+</p:sld>
+</file>
+
+<file path=ppt/slides/slide6.xml><?xml version="1.0" encoding="utf-8"?>
+<p:sld xmlns:a="http://schemas.openxmlformats.org/drawingml/2006/main" xmlns:r="http://schemas.openxmlformats.org/officeDocument/2006/relationships" xmlns:p="http://schemas.openxmlformats.org/presentationml/2006/main">
+  <p:cSld>
+    <p:spTree>
+      <p:nvGrpSpPr>
+        <p:cNvPr id="1" name=""/>
+        <p:cNvGrpSpPr/>
+        <p:nvPr/>
+      </p:nvGrpSpPr>
+      <p:grpSpPr>
+        <a:xfrm>
+          <a:off x="0" y="0"/>
+          <a:ext cx="0" cy="0"/>
+          <a:chOff x="0" y="0"/>
+          <a:chExt cx="0" cy="0"/>
+        </a:xfrm>
+      </p:grpSpPr>
+      <p:sp>
+        <p:nvSpPr>
+          <p:cNvPr id="2" name="Title 1"/>
+          <p:cNvSpPr>
+            <a:spLocks noGrp="1"/>
+          </p:cNvSpPr>
+          <p:nvPr>
+            <p:ph type="title"/>
+          </p:nvPr>
+        </p:nvSpPr>
+        <p:spPr/>
+        <p:txBody>
+          <a:bodyPr/>
+          <a:lstStyle/>
+          <a:p>
+            <a:r>
+              <a:rPr lang="zh-CN" altLang="en-US" dirty="0"/>
+              <a:t>合</a:t>
+            </a:r>
+            <a:r>
+              <a:rPr lang="zh-CN" altLang="en-US" dirty="0" smtClean="0"/>
+              <a:t>成 </a:t>
+            </a:r>
+            <a:r>
+              <a:rPr lang="en-US" altLang="zh-CN" dirty="0" smtClean="0"/>
+              <a:t>(Merge)</a:t>
+            </a:r>
+            <a:endParaRPr lang="en-US" dirty="0"/>
+          </a:p>
+        </p:txBody>
+      </p:sp>
+      <p:sp>
+        <p:nvSpPr>
+          <p:cNvPr id="3" name="Content Placeholder 2"/>
+          <p:cNvSpPr>
+            <a:spLocks noGrp="1"/>
+          </p:cNvSpPr>
+          <p:nvPr>
+            <p:ph idx="1"/>
+          </p:nvPr>
+        </p:nvSpPr>
+        <p:spPr>
+          <a:xfrm>
+            <a:off x="838200" y="1825625"/>
+            <a:ext cx="7686040" cy="4351338"/>
+          </a:xfrm>
+        </p:spPr>
+        <p:txBody>
+          <a:bodyPr>
+            <a:normAutofit/>
+          </a:bodyPr>
+          <a:lstStyle/>
+          <a:p>
+            <a:r>
+              <a:rPr lang="zh-CN" altLang="en-US" dirty="0" smtClean="0"/>
+              <a:t>在</a:t>
+            </a:r>
+            <a:r>
+              <a:rPr lang="zh-CN" altLang="en-US" dirty="0"/>
+              <a:t>对齐阶段，我们保存了原来的方向和大小</a:t>
+            </a:r>
+            <a:r>
+              <a:rPr lang="zh-CN" altLang="en-US" dirty="0" smtClean="0"/>
+              <a:t>，</a:t>
+            </a:r>
+            <a:r>
+              <a:rPr lang="zh-CN" altLang="en-US" dirty="0"/>
+              <a:t>这</a:t>
+            </a:r>
+            <a:r>
+              <a:rPr lang="zh-CN" altLang="en-US" dirty="0" smtClean="0"/>
+              <a:t>里只需反向操作，把编码器得到的目标人物的脸放</a:t>
+            </a:r>
+            <a:r>
+              <a:rPr lang="zh-CN" altLang="en-US" dirty="0"/>
+              <a:t>回到原始图片中。 </a:t>
+            </a:r>
+            <a:endParaRPr lang="en-US" altLang="zh-CN" dirty="0" smtClean="0"/>
+          </a:p>
+          <a:p>
+            <a:pPr lvl="1"/>
+            <a:r>
+              <a:rPr lang="zh-CN" altLang="en-US" dirty="0" smtClean="0"/>
+              <a:t>在图片小试牛刀后，即可应用到视</a:t>
+            </a:r>
+            <a:r>
+              <a:rPr lang="zh-CN" altLang="en-US" dirty="0"/>
+              <a:t>频。</a:t>
+            </a:r>
+          </a:p>
+          <a:p>
+            <a:endParaRPr lang="zh-CN" altLang="en-US" dirty="0"/>
+          </a:p>
+          <a:p>
+            <a:r>
+              <a:rPr lang="zh-CN" altLang="en-US" dirty="0"/>
+              <a:t>就这样</a:t>
+            </a:r>
+            <a:r>
+              <a:rPr lang="zh-CN" altLang="en-US" dirty="0" smtClean="0"/>
+              <a:t>，</a:t>
+            </a:r>
+            <a:r>
+              <a:rPr lang="en-US" altLang="zh-CN" dirty="0"/>
+              <a:t> </a:t>
+            </a:r>
+            <a:r>
+              <a:rPr lang="en-US" altLang="zh-CN" dirty="0" err="1" smtClean="0"/>
+              <a:t>deepfakes</a:t>
+            </a:r>
+            <a:r>
+              <a:rPr lang="en-US" altLang="zh-CN" dirty="0" smtClean="0"/>
+              <a:t> </a:t>
+            </a:r>
+            <a:r>
+              <a:rPr lang="zh-CN" altLang="en-US" dirty="0" smtClean="0"/>
+              <a:t>视频就已搞定。</a:t>
+            </a:r>
+            <a:endParaRPr lang="zh-CN" altLang="en-US" dirty="0"/>
+          </a:p>
+          <a:p>
+            <a:endParaRPr lang="zh-CN" altLang="en-US" dirty="0"/>
+          </a:p>
+          <a:p>
+            <a:endParaRPr lang="zh-CN" altLang="en-US" dirty="0"/>
+          </a:p>
+        </p:txBody>
+      </p:sp>
+      <p:pic>
+        <p:nvPicPr>
+          <p:cNvPr id="4098" name="Picture 2" descr="https://cdn-images-1.medium.com/max/800/0*fDu7R8yeax6--EeE.jpg"/>
+          <p:cNvPicPr>
+            <a:picLocks noChangeAspect="1" noChangeArrowheads="1"/>
+          </p:cNvPicPr>
+          <p:nvPr/>
+        </p:nvPicPr>
+        <p:blipFill>
+          <a:blip r:embed="rId3">
+            <a:extLst>
+              <a:ext uri="{28A0092B-C50C-407E-A947-70E740481C1C}">
+                <a14:useLocalDpi xmlns:a14="http://schemas.microsoft.com/office/drawing/2010/main" val="0"/>
+              </a:ext>
+            </a:extLst>
+          </a:blip>
+          <a:srcRect/>
+          <a:stretch>
+            <a:fillRect/>
+          </a:stretch>
+        </p:blipFill>
+        <p:spPr bwMode="auto">
+          <a:xfrm>
+            <a:off x="8915400" y="1825625"/>
+            <a:ext cx="2438400" cy="2438400"/>
+          </a:xfrm>
+          <a:prstGeom prst="rect">
+            <a:avLst/>
+          </a:prstGeom>
+          <a:noFill/>
+          <a:extLst>
+            <a:ext uri="{909E8E84-426E-40DD-AFC4-6F175D3DCCD1}">
+              <a14:hiddenFill xmlns:a14="http://schemas.microsoft.com/office/drawing/2010/main">
+                <a:solidFill>
+                  <a:srgbClr val="FFFFFF"/>
+                </a:solidFill>
+              </a14:hiddenFill>
+            </a:ext>
+          </a:extLst>
+        </p:spPr>
+      </p:pic>
+    </p:spTree>
+    <p:extLst>
+      <p:ext uri="{BB962C8B-B14F-4D97-AF65-F5344CB8AC3E}">
+        <p14:creationId xmlns:p14="http://schemas.microsoft.com/office/powerpoint/2010/main" val="3343061964"/>
+      </p:ext>
+    </p:extLst>
+  </p:cSld>
+  <p:clrMapOvr>
+    <a:masterClrMapping/>
+  </p:clrMapOvr>
+</p:sld>
+</file>
+
+<file path=ppt/slides/slide7.xml><?xml version="1.0" encoding="utf-8"?>
+<p:sld xmlns:a="http://schemas.openxmlformats.org/drawingml/2006/main" xmlns:r="http://schemas.openxmlformats.org/officeDocument/2006/relationships" xmlns:p="http://schemas.openxmlformats.org/presentationml/2006/main">
+  <p:cSld>
+    <p:spTree>
+      <p:nvGrpSpPr>
+        <p:cNvPr id="1" name=""/>
+        <p:cNvGrpSpPr/>
+        <p:nvPr/>
+      </p:nvGrpSpPr>
+      <p:grpSpPr>
+        <a:xfrm>
+          <a:off x="0" y="0"/>
+          <a:ext cx="0" cy="0"/>
+          <a:chOff x="0" y="0"/>
+          <a:chExt cx="0" cy="0"/>
+        </a:xfrm>
+      </p:grpSpPr>
+      <p:sp>
+        <p:nvSpPr>
+          <p:cNvPr id="2" name="Title 1"/>
+          <p:cNvSpPr>
+            <a:spLocks noGrp="1"/>
+          </p:cNvSpPr>
+          <p:nvPr>
+            <p:ph type="title"/>
+          </p:nvPr>
+        </p:nvSpPr>
+        <p:spPr/>
+        <p:txBody>
+          <a:bodyPr/>
+          <a:lstStyle/>
+          <a:p>
+            <a:endParaRPr lang="en-US"/>
+          </a:p>
+        </p:txBody>
+      </p:sp>
+      <p:sp>
+        <p:nvSpPr>
+          <p:cNvPr id="3" name="Content Placeholder 2"/>
+          <p:cNvSpPr>
+            <a:spLocks noGrp="1"/>
+          </p:cNvSpPr>
+          <p:nvPr>
+            <p:ph idx="1"/>
+          </p:nvPr>
+        </p:nvSpPr>
+        <p:spPr/>
+        <p:txBody>
+          <a:bodyPr/>
+          <a:lstStyle/>
+          <a:p>
+            <a:endParaRPr lang="en-US"/>
+          </a:p>
+        </p:txBody>
+      </p:sp>
+      <p:pic>
+        <p:nvPicPr>
+          <p:cNvPr id="1026" name="Picture 2" descr="2018新年快乐海报设计"/>
+          <p:cNvPicPr>
+            <a:picLocks noChangeAspect="1" noChangeArrowheads="1"/>
+          </p:cNvPicPr>
+          <p:nvPr/>
+        </p:nvPicPr>
+        <p:blipFill>
+          <a:blip r:embed="rId3">
+            <a:extLst>
+              <a:ext uri="{28A0092B-C50C-407E-A947-70E740481C1C}">
+                <a14:useLocalDpi xmlns:a14="http://schemas.microsoft.com/office/drawing/2010/main" val="0"/>
+              </a:ext>
+            </a:extLst>
+          </a:blip>
+          <a:srcRect/>
+          <a:stretch>
+            <a:fillRect/>
+          </a:stretch>
+        </p:blipFill>
+        <p:spPr bwMode="auto">
+          <a:xfrm>
+            <a:off x="1333500" y="1414463"/>
+            <a:ext cx="9525000" cy="4762500"/>
+          </a:xfrm>
+          <a:prstGeom prst="rect">
+            <a:avLst/>
+          </a:prstGeom>
+          <a:noFill/>
+          <a:extLst>
+            <a:ext uri="{909E8E84-426E-40DD-AFC4-6F175D3DCCD1}">
+              <a14:hiddenFill xmlns:a14="http://schemas.microsoft.com/office/drawing/2010/main">
+                <a:solidFill>
+                  <a:srgbClr val="FFFFFF"/>
+                </a:solidFill>
+              </a14:hiddenFill>
+            </a:ext>
+          </a:extLst>
+        </p:spPr>
+      </p:pic>
+    </p:spTree>
+    <p:extLst>
+      <p:ext uri="{BB962C8B-B14F-4D97-AF65-F5344CB8AC3E}">
+        <p14:creationId xmlns:p14="http://schemas.microsoft.com/office/powerpoint/2010/main" val="3495830860"/>
       </p:ext>
     </p:extLst>
   </p:cSld>
